--- a/LaTech/CAM611_Seminar/CAM Seminar Presentation.pptx
+++ b/LaTech/CAM611_Seminar/CAM Seminar Presentation.pptx
@@ -113,7 +113,238 @@
       </a:defRPr>
     </a:lvl9pPr>
   </p:defaultTextStyle>
+  <p:extLst>
+    <p:ext uri="{EFAFB233-063F-42B5-8137-9DF3F51BA10A}">
+      <p15:sldGuideLst xmlns:p15="http://schemas.microsoft.com/office/powerpoint/2012/main"/>
+    </p:ext>
+  </p:extLst>
 </p:presentation>
+</file>
+
+<file path=ppt/changesInfos/changesInfo1.xml><?xml version="1.0" encoding="utf-8"?>
+<pc:chgInfo xmlns:a="http://schemas.openxmlformats.org/drawingml/2006/main" xmlns:r="http://schemas.openxmlformats.org/officeDocument/2006/relationships" xmlns:ac="http://schemas.microsoft.com/office/drawing/2013/main/command" xmlns:pc="http://schemas.microsoft.com/office/powerpoint/2013/main/command">
+  <pc:docChgLst>
+    <pc:chgData name="Sunzid Hassan" userId="cb7e957c80ce88a9" providerId="LiveId" clId="{A89F3A2A-C864-4D85-A54C-516F825A1794}"/>
+    <pc:docChg chg="undo custSel modSld">
+      <pc:chgData name="Sunzid Hassan" userId="cb7e957c80ce88a9" providerId="LiveId" clId="{A89F3A2A-C864-4D85-A54C-516F825A1794}" dt="2025-10-23T20:18:34.092" v="152" actId="1076"/>
+      <pc:docMkLst>
+        <pc:docMk/>
+      </pc:docMkLst>
+      <pc:sldChg chg="modSp">
+        <pc:chgData name="Sunzid Hassan" userId="cb7e957c80ce88a9" providerId="LiveId" clId="{A89F3A2A-C864-4D85-A54C-516F825A1794}" dt="2025-10-23T20:18:34.092" v="152" actId="1076"/>
+        <pc:sldMkLst>
+          <pc:docMk/>
+          <pc:sldMk cId="1766980096" sldId="259"/>
+        </pc:sldMkLst>
+        <pc:spChg chg="mod">
+          <ac:chgData name="Sunzid Hassan" userId="cb7e957c80ce88a9" providerId="LiveId" clId="{A89F3A2A-C864-4D85-A54C-516F825A1794}" dt="2025-10-23T20:18:34.092" v="152" actId="1076"/>
+          <ac:spMkLst>
+            <pc:docMk/>
+            <pc:sldMk cId="1766980096" sldId="259"/>
+            <ac:spMk id="13" creationId="{08B2DD2B-2C26-AF4C-52C4-087553E7EE94}"/>
+          </ac:spMkLst>
+        </pc:spChg>
+        <pc:spChg chg="mod">
+          <ac:chgData name="Sunzid Hassan" userId="cb7e957c80ce88a9" providerId="LiveId" clId="{A89F3A2A-C864-4D85-A54C-516F825A1794}" dt="2025-10-23T20:18:34.092" v="152" actId="1076"/>
+          <ac:spMkLst>
+            <pc:docMk/>
+            <pc:sldMk cId="1766980096" sldId="259"/>
+            <ac:spMk id="19" creationId="{D6CC8422-B922-4B44-1096-F5DCEC959F2C}"/>
+          </ac:spMkLst>
+        </pc:spChg>
+        <pc:spChg chg="mod">
+          <ac:chgData name="Sunzid Hassan" userId="cb7e957c80ce88a9" providerId="LiveId" clId="{A89F3A2A-C864-4D85-A54C-516F825A1794}" dt="2025-10-23T20:18:34.092" v="152" actId="1076"/>
+          <ac:spMkLst>
+            <pc:docMk/>
+            <pc:sldMk cId="1766980096" sldId="259"/>
+            <ac:spMk id="45" creationId="{8A5A520B-931F-5302-F987-BFCD0E61B67A}"/>
+          </ac:spMkLst>
+        </pc:spChg>
+        <pc:spChg chg="mod">
+          <ac:chgData name="Sunzid Hassan" userId="cb7e957c80ce88a9" providerId="LiveId" clId="{A89F3A2A-C864-4D85-A54C-516F825A1794}" dt="2025-10-23T20:18:34.092" v="152" actId="1076"/>
+          <ac:spMkLst>
+            <pc:docMk/>
+            <pc:sldMk cId="1766980096" sldId="259"/>
+            <ac:spMk id="92" creationId="{285E8262-49FA-C3A7-CFF4-08BCE092C727}"/>
+          </ac:spMkLst>
+        </pc:spChg>
+        <pc:spChg chg="mod">
+          <ac:chgData name="Sunzid Hassan" userId="cb7e957c80ce88a9" providerId="LiveId" clId="{A89F3A2A-C864-4D85-A54C-516F825A1794}" dt="2025-10-23T20:18:34.092" v="152" actId="1076"/>
+          <ac:spMkLst>
+            <pc:docMk/>
+            <pc:sldMk cId="1766980096" sldId="259"/>
+            <ac:spMk id="106" creationId="{0153431E-A0FE-A474-2AF5-E27FCF149175}"/>
+          </ac:spMkLst>
+        </pc:spChg>
+        <pc:spChg chg="mod">
+          <ac:chgData name="Sunzid Hassan" userId="cb7e957c80ce88a9" providerId="LiveId" clId="{A89F3A2A-C864-4D85-A54C-516F825A1794}" dt="2025-10-23T20:18:34.092" v="152" actId="1076"/>
+          <ac:spMkLst>
+            <pc:docMk/>
+            <pc:sldMk cId="1766980096" sldId="259"/>
+            <ac:spMk id="111" creationId="{9B3BFF6E-DFE8-9463-EE73-50047BB838A6}"/>
+          </ac:spMkLst>
+        </pc:spChg>
+        <pc:spChg chg="mod">
+          <ac:chgData name="Sunzid Hassan" userId="cb7e957c80ce88a9" providerId="LiveId" clId="{A89F3A2A-C864-4D85-A54C-516F825A1794}" dt="2025-10-23T20:18:34.092" v="152" actId="1076"/>
+          <ac:spMkLst>
+            <pc:docMk/>
+            <pc:sldMk cId="1766980096" sldId="259"/>
+            <ac:spMk id="115" creationId="{03206478-C88E-BF6A-DF82-AB8F75A9BB0D}"/>
+          </ac:spMkLst>
+        </pc:spChg>
+        <pc:spChg chg="mod">
+          <ac:chgData name="Sunzid Hassan" userId="cb7e957c80ce88a9" providerId="LiveId" clId="{A89F3A2A-C864-4D85-A54C-516F825A1794}" dt="2025-10-23T20:18:34.092" v="152" actId="1076"/>
+          <ac:spMkLst>
+            <pc:docMk/>
+            <pc:sldMk cId="1766980096" sldId="259"/>
+            <ac:spMk id="127" creationId="{0ECD3E25-34B4-D9B0-A62A-4A00B25159F5}"/>
+          </ac:spMkLst>
+        </pc:spChg>
+        <pc:spChg chg="mod">
+          <ac:chgData name="Sunzid Hassan" userId="cb7e957c80ce88a9" providerId="LiveId" clId="{A89F3A2A-C864-4D85-A54C-516F825A1794}" dt="2025-10-23T20:18:34.092" v="152" actId="1076"/>
+          <ac:spMkLst>
+            <pc:docMk/>
+            <pc:sldMk cId="1766980096" sldId="259"/>
+            <ac:spMk id="134" creationId="{AF0741DA-6356-E13C-974C-82CB6DB2BB86}"/>
+          </ac:spMkLst>
+        </pc:spChg>
+        <pc:spChg chg="mod">
+          <ac:chgData name="Sunzid Hassan" userId="cb7e957c80ce88a9" providerId="LiveId" clId="{A89F3A2A-C864-4D85-A54C-516F825A1794}" dt="2025-10-23T20:18:34.092" v="152" actId="1076"/>
+          <ac:spMkLst>
+            <pc:docMk/>
+            <pc:sldMk cId="1766980096" sldId="259"/>
+            <ac:spMk id="136" creationId="{38BE378E-28A8-61E6-4FAC-334A9DEA29BF}"/>
+          </ac:spMkLst>
+        </pc:spChg>
+      </pc:sldChg>
+      <pc:sldChg chg="addSp delSp modSp mod">
+        <pc:chgData name="Sunzid Hassan" userId="cb7e957c80ce88a9" providerId="LiveId" clId="{A89F3A2A-C864-4D85-A54C-516F825A1794}" dt="2025-10-23T20:18:23.062" v="150" actId="12788"/>
+        <pc:sldMkLst>
+          <pc:docMk/>
+          <pc:sldMk cId="3807813315" sldId="260"/>
+        </pc:sldMkLst>
+        <pc:spChg chg="add del mod">
+          <ac:chgData name="Sunzid Hassan" userId="cb7e957c80ce88a9" providerId="LiveId" clId="{A89F3A2A-C864-4D85-A54C-516F825A1794}" dt="2025-10-23T20:18:06.918" v="145" actId="478"/>
+          <ac:spMkLst>
+            <pc:docMk/>
+            <pc:sldMk cId="3807813315" sldId="260"/>
+            <ac:spMk id="6" creationId="{705671B7-195E-DE0C-613F-1FB2C8496509}"/>
+          </ac:spMkLst>
+        </pc:spChg>
+        <pc:picChg chg="add mod">
+          <ac:chgData name="Sunzid Hassan" userId="cb7e957c80ce88a9" providerId="LiveId" clId="{A89F3A2A-C864-4D85-A54C-516F825A1794}" dt="2025-10-23T20:18:23.062" v="150" actId="12788"/>
+          <ac:picMkLst>
+            <pc:docMk/>
+            <pc:sldMk cId="3807813315" sldId="260"/>
+            <ac:picMk id="4" creationId="{4BDD9A51-9EC3-3E45-AB2C-7A605A5A1342}"/>
+          </ac:picMkLst>
+        </pc:picChg>
+        <pc:picChg chg="del mod">
+          <ac:chgData name="Sunzid Hassan" userId="cb7e957c80ce88a9" providerId="LiveId" clId="{A89F3A2A-C864-4D85-A54C-516F825A1794}" dt="2025-10-23T20:17:27.293" v="135" actId="21"/>
+          <ac:picMkLst>
+            <pc:docMk/>
+            <pc:sldMk cId="3807813315" sldId="260"/>
+            <ac:picMk id="8" creationId="{14180F29-069B-7CD6-EF7D-C6949D606572}"/>
+          </ac:picMkLst>
+        </pc:picChg>
+        <pc:picChg chg="del mod">
+          <ac:chgData name="Sunzid Hassan" userId="cb7e957c80ce88a9" providerId="LiveId" clId="{A89F3A2A-C864-4D85-A54C-516F825A1794}" dt="2025-10-23T20:17:27.293" v="135" actId="21"/>
+          <ac:picMkLst>
+            <pc:docMk/>
+            <pc:sldMk cId="3807813315" sldId="260"/>
+            <ac:picMk id="10" creationId="{AA80E9D0-8DAC-9FB4-58A3-0ABA9351178B}"/>
+          </ac:picMkLst>
+        </pc:picChg>
+        <pc:picChg chg="del mod">
+          <ac:chgData name="Sunzid Hassan" userId="cb7e957c80ce88a9" providerId="LiveId" clId="{A89F3A2A-C864-4D85-A54C-516F825A1794}" dt="2025-10-23T20:17:27.293" v="135" actId="21"/>
+          <ac:picMkLst>
+            <pc:docMk/>
+            <pc:sldMk cId="3807813315" sldId="260"/>
+            <ac:picMk id="12" creationId="{68E8D5D2-4339-82CF-0AFA-F4D55DFC79E7}"/>
+          </ac:picMkLst>
+        </pc:picChg>
+        <pc:picChg chg="del mod">
+          <ac:chgData name="Sunzid Hassan" userId="cb7e957c80ce88a9" providerId="LiveId" clId="{A89F3A2A-C864-4D85-A54C-516F825A1794}" dt="2025-10-23T20:17:27.293" v="135" actId="21"/>
+          <ac:picMkLst>
+            <pc:docMk/>
+            <pc:sldMk cId="3807813315" sldId="260"/>
+            <ac:picMk id="14" creationId="{B41FA307-F0B3-853D-99A0-543E90011593}"/>
+          </ac:picMkLst>
+        </pc:picChg>
+      </pc:sldChg>
+      <pc:sldChg chg="modSp mod">
+        <pc:chgData name="Sunzid Hassan" userId="cb7e957c80ce88a9" providerId="LiveId" clId="{A89F3A2A-C864-4D85-A54C-516F825A1794}" dt="2025-10-23T20:17:10.933" v="129" actId="20577"/>
+        <pc:sldMkLst>
+          <pc:docMk/>
+          <pc:sldMk cId="113763555" sldId="261"/>
+        </pc:sldMkLst>
+        <pc:spChg chg="mod">
+          <ac:chgData name="Sunzid Hassan" userId="cb7e957c80ce88a9" providerId="LiveId" clId="{A89F3A2A-C864-4D85-A54C-516F825A1794}" dt="2025-10-23T20:17:10.933" v="129" actId="20577"/>
+          <ac:spMkLst>
+            <pc:docMk/>
+            <pc:sldMk cId="113763555" sldId="261"/>
+            <ac:spMk id="3" creationId="{F01F1A96-2C89-8B4A-F460-0FF759AD9E0D}"/>
+          </ac:spMkLst>
+        </pc:spChg>
+      </pc:sldChg>
+      <pc:sldChg chg="addSp delSp modSp mod">
+        <pc:chgData name="Sunzid Hassan" userId="cb7e957c80ce88a9" providerId="LiveId" clId="{A89F3A2A-C864-4D85-A54C-516F825A1794}" dt="2025-10-23T20:17:59.403" v="144" actId="1076"/>
+        <pc:sldMkLst>
+          <pc:docMk/>
+          <pc:sldMk cId="507059157" sldId="262"/>
+        </pc:sldMkLst>
+        <pc:spChg chg="mod">
+          <ac:chgData name="Sunzid Hassan" userId="cb7e957c80ce88a9" providerId="LiveId" clId="{A89F3A2A-C864-4D85-A54C-516F825A1794}" dt="2025-10-23T20:17:23.233" v="134" actId="14100"/>
+          <ac:spMkLst>
+            <pc:docMk/>
+            <pc:sldMk cId="507059157" sldId="262"/>
+            <ac:spMk id="2" creationId="{FEFFFA07-E3F4-5EF9-DAE7-FF1D586686A6}"/>
+          </ac:spMkLst>
+        </pc:spChg>
+        <pc:spChg chg="del">
+          <ac:chgData name="Sunzid Hassan" userId="cb7e957c80ce88a9" providerId="LiveId" clId="{A89F3A2A-C864-4D85-A54C-516F825A1794}" dt="2025-10-23T20:17:15.543" v="130" actId="478"/>
+          <ac:spMkLst>
+            <pc:docMk/>
+            <pc:sldMk cId="507059157" sldId="262"/>
+            <ac:spMk id="3" creationId="{2F647FB9-7A99-998B-7E14-E7328A746052}"/>
+          </ac:spMkLst>
+        </pc:spChg>
+        <pc:picChg chg="add mod">
+          <ac:chgData name="Sunzid Hassan" userId="cb7e957c80ce88a9" providerId="LiveId" clId="{A89F3A2A-C864-4D85-A54C-516F825A1794}" dt="2025-10-23T20:17:59.403" v="144" actId="1076"/>
+          <ac:picMkLst>
+            <pc:docMk/>
+            <pc:sldMk cId="507059157" sldId="262"/>
+            <ac:picMk id="8" creationId="{14180F29-069B-7CD6-EF7D-C6949D606572}"/>
+          </ac:picMkLst>
+        </pc:picChg>
+        <pc:picChg chg="add mod">
+          <ac:chgData name="Sunzid Hassan" userId="cb7e957c80ce88a9" providerId="LiveId" clId="{A89F3A2A-C864-4D85-A54C-516F825A1794}" dt="2025-10-23T20:17:59.403" v="144" actId="1076"/>
+          <ac:picMkLst>
+            <pc:docMk/>
+            <pc:sldMk cId="507059157" sldId="262"/>
+            <ac:picMk id="10" creationId="{AA80E9D0-8DAC-9FB4-58A3-0ABA9351178B}"/>
+          </ac:picMkLst>
+        </pc:picChg>
+        <pc:picChg chg="add mod">
+          <ac:chgData name="Sunzid Hassan" userId="cb7e957c80ce88a9" providerId="LiveId" clId="{A89F3A2A-C864-4D85-A54C-516F825A1794}" dt="2025-10-23T20:17:59.403" v="144" actId="1076"/>
+          <ac:picMkLst>
+            <pc:docMk/>
+            <pc:sldMk cId="507059157" sldId="262"/>
+            <ac:picMk id="12" creationId="{68E8D5D2-4339-82CF-0AFA-F4D55DFC79E7}"/>
+          </ac:picMkLst>
+        </pc:picChg>
+        <pc:picChg chg="add mod">
+          <ac:chgData name="Sunzid Hassan" userId="cb7e957c80ce88a9" providerId="LiveId" clId="{A89F3A2A-C864-4D85-A54C-516F825A1794}" dt="2025-10-23T20:17:59.403" v="144" actId="1076"/>
+          <ac:picMkLst>
+            <pc:docMk/>
+            <pc:sldMk cId="507059157" sldId="262"/>
+            <ac:picMk id="14" creationId="{B41FA307-F0B3-853D-99A0-543E90011593}"/>
+          </ac:picMkLst>
+        </pc:picChg>
+      </pc:sldChg>
+    </pc:docChg>
+  </pc:docChgLst>
+</pc:chgInfo>
 </file>
 
 <file path=ppt/notesMasters/notesMaster1.xml><?xml version="1.0" encoding="utf-8"?>
@@ -198,7 +429,7 @@
           <a:p>
             <a:fld id="{AC20A803-E55E-49C9-86AA-AA6ED88B440E}" type="datetimeFigureOut">
               <a:rPr lang="en-US" smtClean="0"/>
-              <a:t>10/16/2025</a:t>
+              <a:t>10/23/2025</a:t>
             </a:fld>
             <a:endParaRPr lang="en-US"/>
           </a:p>
@@ -696,7 +927,7 @@
           <a:p>
             <a:fld id="{CED030B8-D661-4938-9FEF-777D976CA974}" type="datetimeFigureOut">
               <a:rPr lang="en-US" smtClean="0"/>
-              <a:t>10/16/2025</a:t>
+              <a:t>10/23/2025</a:t>
             </a:fld>
             <a:endParaRPr lang="en-US"/>
           </a:p>
@@ -894,7 +1125,7 @@
           <a:p>
             <a:fld id="{CED030B8-D661-4938-9FEF-777D976CA974}" type="datetimeFigureOut">
               <a:rPr lang="en-US" smtClean="0"/>
-              <a:t>10/16/2025</a:t>
+              <a:t>10/23/2025</a:t>
             </a:fld>
             <a:endParaRPr lang="en-US"/>
           </a:p>
@@ -1102,7 +1333,7 @@
           <a:p>
             <a:fld id="{CED030B8-D661-4938-9FEF-777D976CA974}" type="datetimeFigureOut">
               <a:rPr lang="en-US" smtClean="0"/>
-              <a:t>10/16/2025</a:t>
+              <a:t>10/23/2025</a:t>
             </a:fld>
             <a:endParaRPr lang="en-US"/>
           </a:p>
@@ -1300,7 +1531,7 @@
           <a:p>
             <a:fld id="{CED030B8-D661-4938-9FEF-777D976CA974}" type="datetimeFigureOut">
               <a:rPr lang="en-US" smtClean="0"/>
-              <a:t>10/16/2025</a:t>
+              <a:t>10/23/2025</a:t>
             </a:fld>
             <a:endParaRPr lang="en-US"/>
           </a:p>
@@ -1575,7 +1806,7 @@
           <a:p>
             <a:fld id="{CED030B8-D661-4938-9FEF-777D976CA974}" type="datetimeFigureOut">
               <a:rPr lang="en-US" smtClean="0"/>
-              <a:t>10/16/2025</a:t>
+              <a:t>10/23/2025</a:t>
             </a:fld>
             <a:endParaRPr lang="en-US"/>
           </a:p>
@@ -1840,7 +2071,7 @@
           <a:p>
             <a:fld id="{CED030B8-D661-4938-9FEF-777D976CA974}" type="datetimeFigureOut">
               <a:rPr lang="en-US" smtClean="0"/>
-              <a:t>10/16/2025</a:t>
+              <a:t>10/23/2025</a:t>
             </a:fld>
             <a:endParaRPr lang="en-US"/>
           </a:p>
@@ -2252,7 +2483,7 @@
           <a:p>
             <a:fld id="{CED030B8-D661-4938-9FEF-777D976CA974}" type="datetimeFigureOut">
               <a:rPr lang="en-US" smtClean="0"/>
-              <a:t>10/16/2025</a:t>
+              <a:t>10/23/2025</a:t>
             </a:fld>
             <a:endParaRPr lang="en-US"/>
           </a:p>
@@ -2393,7 +2624,7 @@
           <a:p>
             <a:fld id="{CED030B8-D661-4938-9FEF-777D976CA974}" type="datetimeFigureOut">
               <a:rPr lang="en-US" smtClean="0"/>
-              <a:t>10/16/2025</a:t>
+              <a:t>10/23/2025</a:t>
             </a:fld>
             <a:endParaRPr lang="en-US"/>
           </a:p>
@@ -2506,7 +2737,7 @@
           <a:p>
             <a:fld id="{CED030B8-D661-4938-9FEF-777D976CA974}" type="datetimeFigureOut">
               <a:rPr lang="en-US" smtClean="0"/>
-              <a:t>10/16/2025</a:t>
+              <a:t>10/23/2025</a:t>
             </a:fld>
             <a:endParaRPr lang="en-US"/>
           </a:p>
@@ -2817,7 +3048,7 @@
           <a:p>
             <a:fld id="{CED030B8-D661-4938-9FEF-777D976CA974}" type="datetimeFigureOut">
               <a:rPr lang="en-US" smtClean="0"/>
-              <a:t>10/16/2025</a:t>
+              <a:t>10/23/2025</a:t>
             </a:fld>
             <a:endParaRPr lang="en-US"/>
           </a:p>
@@ -3105,7 +3336,7 @@
           <a:p>
             <a:fld id="{CED030B8-D661-4938-9FEF-777D976CA974}" type="datetimeFigureOut">
               <a:rPr lang="en-US" smtClean="0"/>
-              <a:t>10/16/2025</a:t>
+              <a:t>10/23/2025</a:t>
             </a:fld>
             <a:endParaRPr lang="en-US"/>
           </a:p>
@@ -3346,7 +3577,7 @@
           <a:p>
             <a:fld id="{CED030B8-D661-4938-9FEF-777D976CA974}" type="datetimeFigureOut">
               <a:rPr lang="en-US" smtClean="0"/>
-              <a:t>10/16/2025</a:t>
+              <a:t>10/23/2025</a:t>
             </a:fld>
             <a:endParaRPr lang="en-US"/>
           </a:p>
@@ -4173,8 +4404,8 @@
         </p:nvGrpSpPr>
         <p:grpSpPr>
           <a:xfrm>
-            <a:off x="1950936" y="1974207"/>
-            <a:ext cx="8290129" cy="4010803"/>
+            <a:off x="1422657" y="1690688"/>
+            <a:ext cx="9346686" cy="4521970"/>
             <a:chOff x="1964578" y="1785905"/>
             <a:chExt cx="8290129" cy="4010803"/>
           </a:xfrm>
@@ -13549,42 +13780,10 @@
       </p:sp>
       <p:pic>
         <p:nvPicPr>
-          <p:cNvPr id="12" name="Content Placeholder 11">
+          <p:cNvPr id="4" name="Picture 3">
             <a:extLst>
               <a:ext uri="{FF2B5EF4-FFF2-40B4-BE49-F238E27FC236}">
-                <a16:creationId xmlns:a16="http://schemas.microsoft.com/office/drawing/2014/main" id="{68E8D5D2-4339-82CF-0AFA-F4D55DFC79E7}"/>
-              </a:ext>
-            </a:extLst>
-          </p:cNvPr>
-          <p:cNvPicPr>
-            <a:picLocks noGrp="1" noChangeAspect="1"/>
-          </p:cNvPicPr>
-          <p:nvPr>
-            <p:ph idx="1"/>
-          </p:nvPr>
-        </p:nvPicPr>
-        <p:blipFill>
-          <a:blip r:embed="rId2"/>
-          <a:stretch>
-            <a:fillRect/>
-          </a:stretch>
-        </p:blipFill>
-        <p:spPr>
-          <a:xfrm>
-            <a:off x="682844" y="2721552"/>
-            <a:ext cx="5942898" cy="1138257"/>
-          </a:xfrm>
-          <a:prstGeom prst="rect">
-            <a:avLst/>
-          </a:prstGeom>
-        </p:spPr>
-      </p:pic>
-      <p:pic>
-        <p:nvPicPr>
-          <p:cNvPr id="8" name="Picture 7">
-            <a:extLst>
-              <a:ext uri="{FF2B5EF4-FFF2-40B4-BE49-F238E27FC236}">
-                <a16:creationId xmlns:a16="http://schemas.microsoft.com/office/drawing/2014/main" id="{14180F29-069B-7CD6-EF7D-C6949D606572}"/>
+                <a16:creationId xmlns:a16="http://schemas.microsoft.com/office/drawing/2014/main" id="{4BDD9A51-9EC3-3E45-AB2C-7A605A5A1342}"/>
               </a:ext>
             </a:extLst>
           </p:cNvPr>
@@ -13594,76 +13793,21 @@
           <p:nvPr/>
         </p:nvPicPr>
         <p:blipFill>
-          <a:blip r:embed="rId3"/>
+          <a:blip r:embed="rId2">
+            <a:extLst>
+              <a:ext uri="{28A0092B-C50C-407E-A947-70E740481C1C}">
+                <a14:useLocalDpi xmlns:a14="http://schemas.microsoft.com/office/drawing/2010/main" val="0"/>
+              </a:ext>
+            </a:extLst>
+          </a:blip>
           <a:stretch>
             <a:fillRect/>
           </a:stretch>
         </p:blipFill>
         <p:spPr>
           <a:xfrm>
-            <a:off x="601819" y="3871384"/>
-            <a:ext cx="6523285" cy="1196444"/>
-          </a:xfrm>
-          <a:prstGeom prst="rect">
-            <a:avLst/>
-          </a:prstGeom>
-        </p:spPr>
-      </p:pic>
-      <p:pic>
-        <p:nvPicPr>
-          <p:cNvPr id="10" name="Picture 9">
-            <a:extLst>
-              <a:ext uri="{FF2B5EF4-FFF2-40B4-BE49-F238E27FC236}">
-                <a16:creationId xmlns:a16="http://schemas.microsoft.com/office/drawing/2014/main" id="{AA80E9D0-8DAC-9FB4-58A3-0ABA9351178B}"/>
-              </a:ext>
-            </a:extLst>
-          </p:cNvPr>
-          <p:cNvPicPr>
-            <a:picLocks noChangeAspect="1"/>
-          </p:cNvPicPr>
-          <p:nvPr/>
-        </p:nvPicPr>
-        <p:blipFill>
-          <a:blip r:embed="rId4"/>
-          <a:srcRect l="707"/>
-          <a:stretch>
-            <a:fillRect/>
-          </a:stretch>
-        </p:blipFill>
-        <p:spPr>
-          <a:xfrm>
-            <a:off x="682844" y="1528029"/>
-            <a:ext cx="6523286" cy="1138257"/>
-          </a:xfrm>
-          <a:prstGeom prst="rect">
-            <a:avLst/>
-          </a:prstGeom>
-        </p:spPr>
-      </p:pic>
-      <p:pic>
-        <p:nvPicPr>
-          <p:cNvPr id="14" name="Picture 13">
-            <a:extLst>
-              <a:ext uri="{FF2B5EF4-FFF2-40B4-BE49-F238E27FC236}">
-                <a16:creationId xmlns:a16="http://schemas.microsoft.com/office/drawing/2014/main" id="{B41FA307-F0B3-853D-99A0-543E90011593}"/>
-              </a:ext>
-            </a:extLst>
-          </p:cNvPr>
-          <p:cNvPicPr>
-            <a:picLocks noChangeAspect="1"/>
-          </p:cNvPicPr>
-          <p:nvPr/>
-        </p:nvPicPr>
-        <p:blipFill>
-          <a:blip r:embed="rId5"/>
-          <a:stretch>
-            <a:fillRect/>
-          </a:stretch>
-        </p:blipFill>
-        <p:spPr>
-          <a:xfrm>
-            <a:off x="567094" y="5137278"/>
-            <a:ext cx="7476161" cy="1251398"/>
+            <a:off x="1642492" y="1357271"/>
+            <a:ext cx="8907016" cy="5500729"/>
           </a:xfrm>
           <a:prstGeom prst="rect">
             <a:avLst/>
@@ -13764,14 +13908,14 @@
             <a:pPr lvl="1"/>
             <a:r>
               <a:rPr lang="en-US" dirty="0"/>
-              <a:t>Drone platform.</a:t>
+              <a:t>Real world implementation on mobile robot and drone platforms.</a:t>
             </a:r>
           </a:p>
           <a:p>
             <a:pPr lvl="1"/>
             <a:r>
               <a:rPr lang="en-US" dirty="0"/>
-              <a:t>Lighter algorithms.</a:t>
+              <a:t>On device (efficient) algorithms.</a:t>
             </a:r>
           </a:p>
         </p:txBody>
@@ -13834,31 +13978,129 @@
           </a:p>
         </p:txBody>
       </p:sp>
-      <p:sp>
-        <p:nvSpPr>
-          <p:cNvPr id="3" name="Content Placeholder 2">
+      <p:pic>
+        <p:nvPicPr>
+          <p:cNvPr id="12" name="Content Placeholder 11">
             <a:extLst>
               <a:ext uri="{FF2B5EF4-FFF2-40B4-BE49-F238E27FC236}">
-                <a16:creationId xmlns:a16="http://schemas.microsoft.com/office/drawing/2014/main" id="{2F647FB9-7A99-998B-7E14-E7328A746052}"/>
+                <a16:creationId xmlns:a16="http://schemas.microsoft.com/office/drawing/2014/main" id="{68E8D5D2-4339-82CF-0AFA-F4D55DFC79E7}"/>
               </a:ext>
             </a:extLst>
           </p:cNvPr>
-          <p:cNvSpPr>
-            <a:spLocks noGrp="1"/>
-          </p:cNvSpPr>
+          <p:cNvPicPr>
+            <a:picLocks noGrp="1" noChangeAspect="1"/>
+          </p:cNvPicPr>
           <p:nvPr>
             <p:ph idx="1"/>
           </p:nvPr>
-        </p:nvSpPr>
-        <p:spPr/>
-        <p:txBody>
-          <a:bodyPr/>
-          <a:lstStyle/>
-          <a:p>
-            <a:endParaRPr lang="en-US"/>
-          </a:p>
-        </p:txBody>
-      </p:sp>
+        </p:nvPicPr>
+        <p:blipFill>
+          <a:blip r:embed="rId2"/>
+          <a:stretch>
+            <a:fillRect/>
+          </a:stretch>
+        </p:blipFill>
+        <p:spPr>
+          <a:xfrm>
+            <a:off x="913298" y="2847272"/>
+            <a:ext cx="6170592" cy="1181868"/>
+          </a:xfrm>
+          <a:prstGeom prst="rect">
+            <a:avLst/>
+          </a:prstGeom>
+        </p:spPr>
+      </p:pic>
+      <p:pic>
+        <p:nvPicPr>
+          <p:cNvPr id="8" name="Picture 7">
+            <a:extLst>
+              <a:ext uri="{FF2B5EF4-FFF2-40B4-BE49-F238E27FC236}">
+                <a16:creationId xmlns:a16="http://schemas.microsoft.com/office/drawing/2014/main" id="{14180F29-069B-7CD6-EF7D-C6949D606572}"/>
+              </a:ext>
+            </a:extLst>
+          </p:cNvPr>
+          <p:cNvPicPr>
+            <a:picLocks noChangeAspect="1"/>
+          </p:cNvPicPr>
+          <p:nvPr/>
+        </p:nvPicPr>
+        <p:blipFill>
+          <a:blip r:embed="rId3"/>
+          <a:stretch>
+            <a:fillRect/>
+          </a:stretch>
+        </p:blipFill>
+        <p:spPr>
+          <a:xfrm>
+            <a:off x="838200" y="4093709"/>
+            <a:ext cx="6871681" cy="1260344"/>
+          </a:xfrm>
+          <a:prstGeom prst="rect">
+            <a:avLst/>
+          </a:prstGeom>
+        </p:spPr>
+      </p:pic>
+      <p:pic>
+        <p:nvPicPr>
+          <p:cNvPr id="10" name="Picture 9">
+            <a:extLst>
+              <a:ext uri="{FF2B5EF4-FFF2-40B4-BE49-F238E27FC236}">
+                <a16:creationId xmlns:a16="http://schemas.microsoft.com/office/drawing/2014/main" id="{AA80E9D0-8DAC-9FB4-58A3-0ABA9351178B}"/>
+              </a:ext>
+            </a:extLst>
+          </p:cNvPr>
+          <p:cNvPicPr>
+            <a:picLocks noChangeAspect="1"/>
+          </p:cNvPicPr>
+          <p:nvPr/>
+        </p:nvPicPr>
+        <p:blipFill>
+          <a:blip r:embed="rId4"/>
+          <a:srcRect l="707"/>
+          <a:stretch>
+            <a:fillRect/>
+          </a:stretch>
+        </p:blipFill>
+        <p:spPr>
+          <a:xfrm>
+            <a:off x="913298" y="1600835"/>
+            <a:ext cx="7143260" cy="1246437"/>
+          </a:xfrm>
+          <a:prstGeom prst="rect">
+            <a:avLst/>
+          </a:prstGeom>
+        </p:spPr>
+      </p:pic>
+      <p:pic>
+        <p:nvPicPr>
+          <p:cNvPr id="14" name="Picture 13">
+            <a:extLst>
+              <a:ext uri="{FF2B5EF4-FFF2-40B4-BE49-F238E27FC236}">
+                <a16:creationId xmlns:a16="http://schemas.microsoft.com/office/drawing/2014/main" id="{B41FA307-F0B3-853D-99A0-543E90011593}"/>
+              </a:ext>
+            </a:extLst>
+          </p:cNvPr>
+          <p:cNvPicPr>
+            <a:picLocks noChangeAspect="1"/>
+          </p:cNvPicPr>
+          <p:nvPr/>
+        </p:nvPicPr>
+        <p:blipFill>
+          <a:blip r:embed="rId5"/>
+          <a:stretch>
+            <a:fillRect/>
+          </a:stretch>
+        </p:blipFill>
+        <p:spPr>
+          <a:xfrm>
+            <a:off x="838200" y="5420791"/>
+            <a:ext cx="7442835" cy="1245820"/>
+          </a:xfrm>
+          <a:prstGeom prst="rect">
+            <a:avLst/>
+          </a:prstGeom>
+        </p:spPr>
+      </p:pic>
     </p:spTree>
     <p:extLst>
       <p:ext uri="{BB962C8B-B14F-4D97-AF65-F5344CB8AC3E}">

--- a/LaTech/CAM611_Seminar/CAM Seminar Presentation.pptx
+++ b/LaTech/CAM611_Seminar/CAM Seminar Presentation.pptx
@@ -697,6 +697,90 @@
 </file>
 
 <file path=ppt/notesSlides/notesSlide1.xml><?xml version="1.0" encoding="utf-8"?>
+<p:notes xmlns:a="http://schemas.openxmlformats.org/drawingml/2006/main" xmlns:r="http://schemas.openxmlformats.org/officeDocument/2006/relationships" xmlns:p="http://schemas.openxmlformats.org/presentationml/2006/main">
+  <p:cSld>
+    <p:spTree>
+      <p:nvGrpSpPr>
+        <p:cNvPr id="1" name=""/>
+        <p:cNvGrpSpPr/>
+        <p:nvPr/>
+      </p:nvGrpSpPr>
+      <p:grpSpPr>
+        <a:xfrm>
+          <a:off x="0" y="0"/>
+          <a:ext cx="0" cy="0"/>
+          <a:chOff x="0" y="0"/>
+          <a:chExt cx="0" cy="0"/>
+        </a:xfrm>
+      </p:grpSpPr>
+      <p:sp>
+        <p:nvSpPr>
+          <p:cNvPr id="2" name="Slide Image Placeholder 1"/>
+          <p:cNvSpPr>
+            <a:spLocks noGrp="1" noRot="1" noChangeAspect="1"/>
+          </p:cNvSpPr>
+          <p:nvPr>
+            <p:ph type="sldImg"/>
+          </p:nvPr>
+        </p:nvSpPr>
+        <p:spPr/>
+      </p:sp>
+      <p:sp>
+        <p:nvSpPr>
+          <p:cNvPr id="3" name="Notes Placeholder 2"/>
+          <p:cNvSpPr>
+            <a:spLocks noGrp="1"/>
+          </p:cNvSpPr>
+          <p:nvPr>
+            <p:ph type="body" idx="1"/>
+          </p:nvPr>
+        </p:nvSpPr>
+        <p:spPr/>
+        <p:txBody>
+          <a:bodyPr/>
+          <a:lstStyle/>
+          <a:p>
+            <a:endParaRPr lang="en-US" dirty="0"/>
+          </a:p>
+        </p:txBody>
+      </p:sp>
+      <p:sp>
+        <p:nvSpPr>
+          <p:cNvPr id="4" name="Slide Number Placeholder 3"/>
+          <p:cNvSpPr>
+            <a:spLocks noGrp="1"/>
+          </p:cNvSpPr>
+          <p:nvPr>
+            <p:ph type="sldNum" sz="quarter" idx="5"/>
+          </p:nvPr>
+        </p:nvSpPr>
+        <p:spPr/>
+        <p:txBody>
+          <a:bodyPr/>
+          <a:lstStyle/>
+          <a:p>
+            <a:fld id="{7725887C-DEA0-4760-90FD-30296DCF1D58}" type="slidenum">
+              <a:rPr lang="en-US" smtClean="0"/>
+              <a:t>2</a:t>
+            </a:fld>
+            <a:endParaRPr lang="en-US"/>
+          </a:p>
+        </p:txBody>
+      </p:sp>
+    </p:spTree>
+    <p:extLst>
+      <p:ext uri="{BB962C8B-B14F-4D97-AF65-F5344CB8AC3E}">
+        <p14:creationId xmlns:p14="http://schemas.microsoft.com/office/powerpoint/2010/main" val="458407817"/>
+      </p:ext>
+    </p:extLst>
+  </p:cSld>
+  <p:clrMapOvr>
+    <a:masterClrMapping/>
+  </p:clrMapOvr>
+</p:notes>
+</file>
+
+<file path=ppt/notesSlides/notesSlide2.xml><?xml version="1.0" encoding="utf-8"?>
 <p:notes xmlns:a="http://schemas.openxmlformats.org/drawingml/2006/main" xmlns:r="http://schemas.openxmlformats.org/officeDocument/2006/relationships" xmlns:p="http://schemas.openxmlformats.org/presentationml/2006/main">
   <p:cSld>
     <p:spTree>
@@ -4040,16 +4124,30 @@
             <p:ph type="subTitle" idx="1"/>
           </p:nvPr>
         </p:nvSpPr>
-        <p:spPr/>
+        <p:spPr>
+          <a:xfrm>
+            <a:off x="1524000" y="3602037"/>
+            <a:ext cx="9144000" cy="2387599"/>
+          </a:xfrm>
+        </p:spPr>
         <p:txBody>
           <a:bodyPr>
-            <a:normAutofit lnSpcReduction="10000"/>
+            <a:normAutofit fontScale="92500" lnSpcReduction="10000"/>
           </a:bodyPr>
           <a:lstStyle/>
+          <a:p>
+            <a:endParaRPr lang="en-US" dirty="0"/>
+          </a:p>
           <a:p>
             <a:r>
               <a:rPr lang="en-US" dirty="0"/>
               <a:t>Sunzid Hassan</a:t>
+            </a:r>
+          </a:p>
+          <a:p>
+            <a:r>
+              <a:rPr lang="en-US" dirty="0"/>
+              <a:t>Advisor: Dr. Lingxiao Wang</a:t>
             </a:r>
           </a:p>
           <a:p>
@@ -4230,12 +4328,14 @@
         </p:nvSpPr>
         <p:spPr/>
         <p:txBody>
-          <a:bodyPr/>
+          <a:bodyPr>
+            <a:normAutofit/>
+          </a:bodyPr>
           <a:lstStyle/>
           <a:p>
             <a:r>
               <a:rPr lang="en-US" dirty="0"/>
-              <a:t>Significance, Current Statue, Challenges, and Objective</a:t>
+              <a:t>Robotic Odor Source Localization</a:t>
             </a:r>
           </a:p>
         </p:txBody>
@@ -5482,7 +5582,7 @@
             </p:nvSpPr>
             <p:spPr>
               <a:xfrm>
-                <a:off x="1192082" y="2097955"/>
+                <a:off x="1192082" y="2289814"/>
                 <a:ext cx="2068860" cy="523220"/>
               </a:xfrm>
               <a:prstGeom prst="rect">
@@ -13714,6 +13814,47 @@
           </p:cxnSp>
         </p:grpSp>
       </p:grpSp>
+      <p:cxnSp>
+        <p:nvCxnSpPr>
+          <p:cNvPr id="4" name="Connector: Elbow 3">
+            <a:extLst>
+              <a:ext uri="{FF2B5EF4-FFF2-40B4-BE49-F238E27FC236}">
+                <a16:creationId xmlns:a16="http://schemas.microsoft.com/office/drawing/2014/main" id="{F9ECAF2E-1173-1031-3297-2B60FD017814}"/>
+              </a:ext>
+            </a:extLst>
+          </p:cNvPr>
+          <p:cNvCxnSpPr>
+            <a:stCxn id="100" idx="1"/>
+          </p:cNvCxnSpPr>
+          <p:nvPr/>
+        </p:nvCxnSpPr>
+        <p:spPr>
+          <a:xfrm rot="10800000" flipV="1">
+            <a:off x="6700156" y="5009273"/>
+            <a:ext cx="323546" cy="682595"/>
+          </a:xfrm>
+          <a:prstGeom prst="bentConnector2">
+            <a:avLst/>
+          </a:prstGeom>
+          <a:ln>
+            <a:tailEnd type="triangle"/>
+          </a:ln>
+        </p:spPr>
+        <p:style>
+          <a:lnRef idx="1">
+            <a:schemeClr val="dk1"/>
+          </a:lnRef>
+          <a:fillRef idx="0">
+            <a:schemeClr val="dk1"/>
+          </a:fillRef>
+          <a:effectRef idx="0">
+            <a:schemeClr val="dk1"/>
+          </a:effectRef>
+          <a:fontRef idx="minor">
+            <a:schemeClr val="tx1"/>
+          </a:fontRef>
+        </p:style>
+      </p:cxnSp>
     </p:spTree>
     <p:extLst>
       <p:ext uri="{BB962C8B-B14F-4D97-AF65-F5344CB8AC3E}">
@@ -14002,7 +14143,7 @@
         </p:blipFill>
         <p:spPr>
           <a:xfrm>
-            <a:off x="913298" y="2847272"/>
+            <a:off x="913298" y="2837440"/>
             <a:ext cx="6170592" cy="1181868"/>
           </a:xfrm>
           <a:prstGeom prst="rect">
@@ -14032,7 +14173,7 @@
         </p:blipFill>
         <p:spPr>
           <a:xfrm>
-            <a:off x="838200" y="4093709"/>
+            <a:off x="838200" y="4074045"/>
             <a:ext cx="6871681" cy="1260344"/>
           </a:xfrm>
           <a:prstGeom prst="rect">
@@ -14063,7 +14204,7 @@
         </p:blipFill>
         <p:spPr>
           <a:xfrm>
-            <a:off x="913298" y="1600835"/>
+            <a:off x="913298" y="1571339"/>
             <a:ext cx="7143260" cy="1246437"/>
           </a:xfrm>
           <a:prstGeom prst="rect">
@@ -14093,7 +14234,7 @@
         </p:blipFill>
         <p:spPr>
           <a:xfrm>
-            <a:off x="838200" y="5420791"/>
+            <a:off x="838200" y="5430623"/>
             <a:ext cx="7442835" cy="1245820"/>
           </a:xfrm>
           <a:prstGeom prst="rect">
